--- a/스마트폰 게임 프로그래밍 최종발표.pptx
+++ b/스마트폰 게임 프로그래밍 최종발표.pptx
@@ -16298,14 +16298,14 @@
           <p:nvPr>
             <p:extLst>
               <p:ext uri="{D42A27DB-BD31-4B8C-83A1-F6EECF244321}">
-                <p14:modId xmlns:p14="http://schemas.microsoft.com/office/powerpoint/2010/main" val="2503939378"/>
+                <p14:modId xmlns:p14="http://schemas.microsoft.com/office/powerpoint/2010/main" val="1316304701"/>
               </p:ext>
             </p:extLst>
           </p:nvPr>
         </p:nvGraphicFramePr>
         <p:xfrm>
           <a:off x="283881" y="699247"/>
-          <a:ext cx="11486776" cy="5620472"/>
+          <a:ext cx="11486776" cy="5638003"/>
         </p:xfrm>
         <a:graphic>
           <a:graphicData uri="http://schemas.openxmlformats.org/drawingml/2006/table">
@@ -17891,14 +17891,49 @@
                     <a:bodyPr/>
                     <a:lstStyle/>
                     <a:p>
+                      <a:pPr marL="0" marR="0" lvl="0" indent="0" algn="ctr" defTabSz="914400" rtl="0" eaLnBrk="1" fontAlgn="auto" latinLnBrk="1" hangingPunct="1">
+                        <a:lnSpc>
+                          <a:spcPct val="100000"/>
+                        </a:lnSpc>
+                        <a:spcBef>
+                          <a:spcPts val="0"/>
+                        </a:spcBef>
+                        <a:spcAft>
+                          <a:spcPts val="0"/>
+                        </a:spcAft>
+                        <a:buClrTx/>
+                        <a:buSzTx/>
+                        <a:buFontTx/>
+                        <a:buNone/>
+                        <a:tabLst/>
+                        <a:defRPr/>
+                      </a:pPr>
+                      <a:r>
+                        <a:rPr lang="en-US" altLang="ko-KR" sz="1800" kern="1200" dirty="0">
+                          <a:solidFill>
+                            <a:schemeClr val="dk1"/>
+                          </a:solidFill>
+                          <a:latin typeface="+mj-ea"/>
+                          <a:ea typeface="+mn-ea"/>
+                          <a:cs typeface="+mn-cs"/>
+                        </a:rPr>
+                        <a:t>O</a:t>
+                      </a:r>
+                      <a:endParaRPr lang="ko-KR" altLang="en-US" sz="1800" kern="1200">
+                        <a:solidFill>
+                          <a:schemeClr val="dk1"/>
+                        </a:solidFill>
+                        <a:latin typeface="+mj-ea"/>
+                        <a:ea typeface="+mn-ea"/>
+                        <a:cs typeface="+mn-cs"/>
+                      </a:endParaRPr>
+                    </a:p>
+                    <a:p>
                       <a:pPr algn="ctr" latinLnBrk="1"/>
-                      <a:r>
-                        <a:rPr lang="ko-KR" altLang="en-US" dirty="0">
-                          <a:latin typeface="+mj-ea"/>
-                          <a:ea typeface="+mj-ea"/>
-                        </a:rPr>
-                        <a:t>△</a:t>
-                      </a:r>
+                      <a:endParaRPr lang="ko-KR" altLang="en-US" dirty="0">
+                        <a:latin typeface="+mj-ea"/>
+                        <a:ea typeface="+mj-ea"/>
+                      </a:endParaRPr>
                     </a:p>
                   </a:txBody>
                   <a:tcPr/>
